--- a/pptx_engine/templates/bull-bear/three-step-circles-dark.pptx
+++ b/pptx_engine/templates/bull-bear/three-step-circles-dark.pptx
@@ -3088,40 +3088,16 @@
         <p:nvPr/>
       </p:nvGrpSpPr>
       <p:grpSpPr/>
-      <p:pic>
-        <p:nvPicPr>
-          <p:cNvPr id="2" name="Picture 1" descr="slide_04.png"/>
-          <p:cNvPicPr>
-            <a:picLocks noChangeAspect="1"/>
-          </p:cNvPicPr>
-          <p:nvPr/>
-        </p:nvPicPr>
-        <p:blipFill>
-          <a:blip r:embed="rId2"/>
-          <a:stretch>
-            <a:fillRect/>
-          </a:stretch>
-        </p:blipFill>
-        <p:spPr>
-          <a:xfrm>
-            <a:off x="0" y="0"/>
-            <a:ext cx="24384030" cy="13716000"/>
-          </a:xfrm>
-          <a:prstGeom prst="rect">
-            <a:avLst/>
-          </a:prstGeom>
-        </p:spPr>
-      </p:pic>
-      <p:sp>
-        <p:nvSpPr>
-          <p:cNvPr id="3" name="breadcrumb"/>
+      <p:sp>
+        <p:nvSpPr>
+          <p:cNvPr id="2" name="TextBox 1"/>
           <p:cNvSpPr txBox="1"/>
           <p:nvPr/>
         </p:nvSpPr>
         <p:spPr>
           <a:xfrm>
-            <a:off x="320040" y="164592"/>
-            <a:ext cx="2743200" cy="292608"/>
+            <a:off x="5711891" y="4173138"/>
+            <a:ext cx="12960248" cy="381030"/>
           </a:xfrm>
           <a:prstGeom prst="rect">
             <a:avLst/>
@@ -3134,29 +3110,723 @@
           </a:bodyPr>
           <a:lstStyle/>
           <a:p>
-            <a:pPr algn="l"/>
-            <a:r>
-              <a:rPr sz="1100" b="0">
+            <a:pPr algn="ctr"/>
+            <a:r>
+              <a:rPr sz="3000" b="0" i="0">
+                <a:solidFill>
+                  <a:srgbClr val="FEC00F"/>
+                </a:solidFill>
+                <a:latin typeface="Quicksand (TT)"/>
+              </a:rPr>
+              <a:t>Indicators that use market data to assess the odds of a +/- price trend.</a:t>
+            </a:r>
+          </a:p>
+        </p:txBody>
+      </p:sp>
+      <p:sp>
+        <p:nvSpPr>
+          <p:cNvPr id="3" name="TextBox 2"/>
+          <p:cNvSpPr txBox="1"/>
+          <p:nvPr/>
+        </p:nvSpPr>
+        <p:spPr>
+          <a:xfrm>
+            <a:off x="17773650" y="9809134"/>
+            <a:ext cx="3405499" cy="723930"/>
+          </a:xfrm>
+          <a:prstGeom prst="rect">
+            <a:avLst/>
+          </a:prstGeom>
+          <a:noFill/>
+        </p:spPr>
+        <p:txBody>
+          <a:bodyPr wrap="square">
+            <a:spAutoFit/>
+          </a:bodyPr>
+          <a:lstStyle/>
+          <a:p>
+            <a:pPr algn="ctr"/>
+            <a:r>
+              <a:rPr sz="2600" b="0" i="0">
+                <a:solidFill>
+                  <a:srgbClr val="FFFFFF"/>
+                </a:solidFill>
+                <a:latin typeface="Quicksand (TT)"/>
+              </a:rPr>
+              <a:t>(Intermarket Relationships)</a:t>
+            </a:r>
+          </a:p>
+        </p:txBody>
+      </p:sp>
+      <p:sp>
+        <p:nvSpPr>
+          <p:cNvPr id="4" name="TextBox 3"/>
+          <p:cNvSpPr txBox="1"/>
+          <p:nvPr/>
+        </p:nvSpPr>
+        <p:spPr>
+          <a:xfrm>
+            <a:off x="10344241" y="9511040"/>
+            <a:ext cx="3695547" cy="330189"/>
+          </a:xfrm>
+          <a:prstGeom prst="rect">
+            <a:avLst/>
+          </a:prstGeom>
+          <a:noFill/>
+        </p:spPr>
+        <p:txBody>
+          <a:bodyPr wrap="square">
+            <a:spAutoFit/>
+          </a:bodyPr>
+          <a:lstStyle/>
+          <a:p>
+            <a:pPr algn="ctr"/>
+            <a:r>
+              <a:rPr sz="2600" b="0" i="0">
+                <a:solidFill>
+                  <a:srgbClr val="FFFFFF"/>
+                </a:solidFill>
+                <a:latin typeface="Quicksand (TT)"/>
+              </a:rPr>
+              <a:t>(Breadth and Volume)</a:t>
+            </a:r>
+          </a:p>
+        </p:txBody>
+      </p:sp>
+      <p:sp>
+        <p:nvSpPr>
+          <p:cNvPr id="5" name="TextBox 4"/>
+          <p:cNvSpPr txBox="1"/>
+          <p:nvPr/>
+        </p:nvSpPr>
+        <p:spPr>
+          <a:xfrm>
+            <a:off x="3059765" y="9432036"/>
+            <a:ext cx="3695547" cy="330189"/>
+          </a:xfrm>
+          <a:prstGeom prst="rect">
+            <a:avLst/>
+          </a:prstGeom>
+          <a:noFill/>
+        </p:spPr>
+        <p:txBody>
+          <a:bodyPr wrap="square">
+            <a:spAutoFit/>
+          </a:bodyPr>
+          <a:lstStyle/>
+          <a:p>
+            <a:pPr algn="ctr"/>
+            <a:r>
+              <a:rPr sz="2600" b="0" i="0">
+                <a:solidFill>
+                  <a:srgbClr val="FFFFFF"/>
+                </a:solidFill>
+                <a:latin typeface="Quicksand (TT)"/>
+              </a:rPr>
+              <a:t>(Up, Down or Sideways)</a:t>
+            </a:r>
+          </a:p>
+        </p:txBody>
+      </p:sp>
+      <p:sp>
+        <p:nvSpPr>
+          <p:cNvPr id="6" name="TextBox 5"/>
+          <p:cNvSpPr txBox="1"/>
+          <p:nvPr/>
+        </p:nvSpPr>
+        <p:spPr>
+          <a:xfrm>
+            <a:off x="19212001" y="7025060"/>
+            <a:ext cx="528797" cy="708660"/>
+          </a:xfrm>
+          <a:prstGeom prst="rect">
+            <a:avLst/>
+          </a:prstGeom>
+          <a:noFill/>
+        </p:spPr>
+        <p:txBody>
+          <a:bodyPr wrap="square">
+            <a:spAutoFit/>
+          </a:bodyPr>
+          <a:lstStyle/>
+          <a:p>
+            <a:pPr algn="ctr"/>
+            <a:r>
+              <a:rPr sz="6000" b="0" i="0">
+                <a:solidFill>
+                  <a:srgbClr val="212121"/>
+                </a:solidFill>
+                <a:latin typeface="Rajdhani"/>
+              </a:rPr>
+              <a:t>3</a:t>
+            </a:r>
+          </a:p>
+        </p:txBody>
+      </p:sp>
+      <p:sp>
+        <p:nvSpPr>
+          <p:cNvPr id="7" name="TextBox 6"/>
+          <p:cNvSpPr txBox="1"/>
+          <p:nvPr/>
+        </p:nvSpPr>
+        <p:spPr>
+          <a:xfrm>
+            <a:off x="17918673" y="8755837"/>
+            <a:ext cx="3115360" cy="838230"/>
+          </a:xfrm>
+          <a:prstGeom prst="rect">
+            <a:avLst/>
+          </a:prstGeom>
+          <a:noFill/>
+        </p:spPr>
+        <p:txBody>
+          <a:bodyPr wrap="square">
+            <a:spAutoFit/>
+          </a:bodyPr>
+          <a:lstStyle/>
+          <a:p>
+            <a:pPr algn="ctr"/>
+            <a:r>
+              <a:rPr sz="3000" b="0" i="0">
+                <a:solidFill>
+                  <a:srgbClr val="FFFFFF"/>
+                </a:solidFill>
+                <a:latin typeface="Quicksand (TT)"/>
+              </a:rPr>
+              <a:t>Intermarket Confirmation</a:t>
+            </a:r>
+          </a:p>
+        </p:txBody>
+      </p:sp>
+      <p:sp>
+        <p:nvSpPr>
+          <p:cNvPr id="8" name="Rounded Rectangle 7"/>
+          <p:cNvSpPr/>
+          <p:nvPr/>
+        </p:nvSpPr>
+        <p:spPr>
+          <a:xfrm>
+            <a:off x="18504164" y="6497086"/>
+            <a:ext cx="1944563" cy="1944563"/>
+          </a:xfrm>
+          <a:prstGeom prst="roundRect">
+            <a:avLst/>
+          </a:prstGeom>
+          <a:solidFill>
+            <a:srgbClr val="FEC00F"/>
+          </a:solidFill>
+          <a:ln>
+            <a:noFill/>
+          </a:ln>
+        </p:spPr>
+        <p:style>
+          <a:lnRef idx="1">
+            <a:schemeClr val="accent1"/>
+          </a:lnRef>
+          <a:fillRef idx="3">
+            <a:schemeClr val="accent1"/>
+          </a:fillRef>
+          <a:effectRef idx="2">
+            <a:schemeClr val="accent1"/>
+          </a:effectRef>
+          <a:fontRef idx="minor">
+            <a:schemeClr val="lt1"/>
+          </a:fontRef>
+        </p:style>
+        <p:txBody>
+          <a:bodyPr rtlCol="0" anchor="ctr"/>
+          <a:lstStyle/>
+          <a:p>
+            <a:pPr algn="ctr"/>
+          </a:p>
+        </p:txBody>
+      </p:sp>
+      <p:sp>
+        <p:nvSpPr>
+          <p:cNvPr id="9" name="Rounded Rectangle 8"/>
+          <p:cNvSpPr/>
+          <p:nvPr/>
+        </p:nvSpPr>
+        <p:spPr>
+          <a:xfrm>
+            <a:off x="16728673" y="5739597"/>
+            <a:ext cx="5495452" cy="5495452"/>
+          </a:xfrm>
+          <a:prstGeom prst="roundRect">
+            <a:avLst/>
+          </a:prstGeom>
+          <a:solidFill>
+            <a:srgbClr val="FEC00F"/>
+          </a:solidFill>
+          <a:ln>
+            <a:noFill/>
+          </a:ln>
+        </p:spPr>
+        <p:style>
+          <a:lnRef idx="1">
+            <a:schemeClr val="accent1"/>
+          </a:lnRef>
+          <a:fillRef idx="3">
+            <a:schemeClr val="accent1"/>
+          </a:fillRef>
+          <a:effectRef idx="2">
+            <a:schemeClr val="accent1"/>
+          </a:effectRef>
+          <a:fontRef idx="minor">
+            <a:schemeClr val="lt1"/>
+          </a:fontRef>
+        </p:style>
+        <p:txBody>
+          <a:bodyPr rtlCol="0" anchor="ctr"/>
+          <a:lstStyle/>
+          <a:p>
+            <a:pPr algn="ctr"/>
+          </a:p>
+        </p:txBody>
+      </p:sp>
+      <p:sp>
+        <p:nvSpPr>
+          <p:cNvPr id="10" name="TextBox 9"/>
+          <p:cNvSpPr txBox="1"/>
+          <p:nvPr/>
+        </p:nvSpPr>
+        <p:spPr>
+          <a:xfrm>
+            <a:off x="11934474" y="7025060"/>
+            <a:ext cx="515081" cy="708660"/>
+          </a:xfrm>
+          <a:prstGeom prst="rect">
+            <a:avLst/>
+          </a:prstGeom>
+          <a:noFill/>
+        </p:spPr>
+        <p:txBody>
+          <a:bodyPr wrap="square">
+            <a:spAutoFit/>
+          </a:bodyPr>
+          <a:lstStyle/>
+          <a:p>
+            <a:pPr algn="ctr"/>
+            <a:r>
+              <a:rPr sz="6000" b="0" i="0">
+                <a:solidFill>
+                  <a:srgbClr val="212121"/>
+                </a:solidFill>
+                <a:latin typeface="Rajdhani"/>
+              </a:rPr>
+              <a:t>2</a:t>
+            </a:r>
+          </a:p>
+        </p:txBody>
+      </p:sp>
+      <p:sp>
+        <p:nvSpPr>
+          <p:cNvPr id="11" name="TextBox 10"/>
+          <p:cNvSpPr txBox="1"/>
+          <p:nvPr/>
+        </p:nvSpPr>
+        <p:spPr>
+          <a:xfrm>
+            <a:off x="11016234" y="8755837"/>
+            <a:ext cx="2351471" cy="381030"/>
+          </a:xfrm>
+          <a:prstGeom prst="rect">
+            <a:avLst/>
+          </a:prstGeom>
+          <a:noFill/>
+        </p:spPr>
+        <p:txBody>
+          <a:bodyPr wrap="square">
+            <a:spAutoFit/>
+          </a:bodyPr>
+          <a:lstStyle/>
+          <a:p>
+            <a:pPr algn="ctr"/>
+            <a:r>
+              <a:rPr sz="3000" b="0" i="0">
+                <a:solidFill>
+                  <a:srgbClr val="FFFFFF"/>
+                </a:solidFill>
+                <a:latin typeface="Quicksand (TT)"/>
+              </a:rPr>
+              <a:t>Trend Health</a:t>
+            </a:r>
+          </a:p>
+        </p:txBody>
+      </p:sp>
+      <p:sp>
+        <p:nvSpPr>
+          <p:cNvPr id="12" name="Rounded Rectangle 11"/>
+          <p:cNvSpPr/>
+          <p:nvPr/>
+        </p:nvSpPr>
+        <p:spPr>
+          <a:xfrm>
+            <a:off x="11219688" y="6497086"/>
+            <a:ext cx="1944563" cy="1944563"/>
+          </a:xfrm>
+          <a:prstGeom prst="roundRect">
+            <a:avLst/>
+          </a:prstGeom>
+          <a:solidFill>
+            <a:srgbClr val="FEC00F"/>
+          </a:solidFill>
+          <a:ln>
+            <a:noFill/>
+          </a:ln>
+        </p:spPr>
+        <p:style>
+          <a:lnRef idx="1">
+            <a:schemeClr val="accent1"/>
+          </a:lnRef>
+          <a:fillRef idx="3">
+            <a:schemeClr val="accent1"/>
+          </a:fillRef>
+          <a:effectRef idx="2">
+            <a:schemeClr val="accent1"/>
+          </a:effectRef>
+          <a:fontRef idx="minor">
+            <a:schemeClr val="lt1"/>
+          </a:fontRef>
+        </p:style>
+        <p:txBody>
+          <a:bodyPr rtlCol="0" anchor="ctr"/>
+          <a:lstStyle/>
+          <a:p>
+            <a:pPr algn="ctr"/>
+          </a:p>
+        </p:txBody>
+      </p:sp>
+      <p:sp>
+        <p:nvSpPr>
+          <p:cNvPr id="13" name="Rounded Rectangle 12"/>
+          <p:cNvSpPr/>
+          <p:nvPr/>
+        </p:nvSpPr>
+        <p:spPr>
+          <a:xfrm>
+            <a:off x="9444288" y="5739597"/>
+            <a:ext cx="5495452" cy="5495452"/>
+          </a:xfrm>
+          <a:prstGeom prst="roundRect">
+            <a:avLst/>
+          </a:prstGeom>
+          <a:solidFill>
+            <a:srgbClr val="FEC00F"/>
+          </a:solidFill>
+          <a:ln>
+            <a:noFill/>
+          </a:ln>
+        </p:spPr>
+        <p:style>
+          <a:lnRef idx="1">
+            <a:schemeClr val="accent1"/>
+          </a:lnRef>
+          <a:fillRef idx="3">
+            <a:schemeClr val="accent1"/>
+          </a:fillRef>
+          <a:effectRef idx="2">
+            <a:schemeClr val="accent1"/>
+          </a:effectRef>
+          <a:fontRef idx="minor">
+            <a:schemeClr val="lt1"/>
+          </a:fontRef>
+        </p:style>
+        <p:txBody>
+          <a:bodyPr rtlCol="0" anchor="ctr"/>
+          <a:lstStyle/>
+          <a:p>
+            <a:pPr algn="ctr"/>
+          </a:p>
+        </p:txBody>
+      </p:sp>
+      <p:sp>
+        <p:nvSpPr>
+          <p:cNvPr id="14" name="TextBox 13"/>
+          <p:cNvSpPr txBox="1"/>
+          <p:nvPr/>
+        </p:nvSpPr>
+        <p:spPr>
+          <a:xfrm>
+            <a:off x="4710988" y="7025060"/>
+            <a:ext cx="393192" cy="708660"/>
+          </a:xfrm>
+          <a:prstGeom prst="rect">
+            <a:avLst/>
+          </a:prstGeom>
+          <a:noFill/>
+        </p:spPr>
+        <p:txBody>
+          <a:bodyPr wrap="square">
+            <a:spAutoFit/>
+          </a:bodyPr>
+          <a:lstStyle/>
+          <a:p>
+            <a:pPr algn="ctr"/>
+            <a:r>
+              <a:rPr sz="6000" b="0" i="0">
+                <a:solidFill>
+                  <a:srgbClr val="212121"/>
+                </a:solidFill>
+                <a:latin typeface="Rajdhani"/>
+              </a:rPr>
+              <a:t>1</a:t>
+            </a:r>
+          </a:p>
+        </p:txBody>
+      </p:sp>
+      <p:sp>
+        <p:nvSpPr>
+          <p:cNvPr id="15" name="TextBox 14"/>
+          <p:cNvSpPr txBox="1"/>
+          <p:nvPr/>
+        </p:nvSpPr>
+        <p:spPr>
+          <a:xfrm>
+            <a:off x="3349904" y="8755837"/>
+            <a:ext cx="3115360" cy="381030"/>
+          </a:xfrm>
+          <a:prstGeom prst="rect">
+            <a:avLst/>
+          </a:prstGeom>
+          <a:noFill/>
+        </p:spPr>
+        <p:txBody>
+          <a:bodyPr wrap="square">
+            <a:spAutoFit/>
+          </a:bodyPr>
+          <a:lstStyle/>
+          <a:p>
+            <a:pPr algn="ctr"/>
+            <a:r>
+              <a:rPr sz="3000" b="0" i="0">
+                <a:solidFill>
+                  <a:srgbClr val="FFFFFF"/>
+                </a:solidFill>
+                <a:latin typeface="Quicksand (TT)"/>
+              </a:rPr>
+              <a:t>Trend Direction</a:t>
+            </a:r>
+          </a:p>
+        </p:txBody>
+      </p:sp>
+      <p:sp>
+        <p:nvSpPr>
+          <p:cNvPr id="16" name="Rounded Rectangle 15"/>
+          <p:cNvSpPr/>
+          <p:nvPr/>
+        </p:nvSpPr>
+        <p:spPr>
+          <a:xfrm>
+            <a:off x="3935303" y="6497086"/>
+            <a:ext cx="1944563" cy="1944563"/>
+          </a:xfrm>
+          <a:prstGeom prst="roundRect">
+            <a:avLst/>
+          </a:prstGeom>
+          <a:solidFill>
+            <a:srgbClr val="FEC00F"/>
+          </a:solidFill>
+          <a:ln>
+            <a:noFill/>
+          </a:ln>
+        </p:spPr>
+        <p:style>
+          <a:lnRef idx="1">
+            <a:schemeClr val="accent1"/>
+          </a:lnRef>
+          <a:fillRef idx="3">
+            <a:schemeClr val="accent1"/>
+          </a:fillRef>
+          <a:effectRef idx="2">
+            <a:schemeClr val="accent1"/>
+          </a:effectRef>
+          <a:fontRef idx="minor">
+            <a:schemeClr val="lt1"/>
+          </a:fontRef>
+        </p:style>
+        <p:txBody>
+          <a:bodyPr rtlCol="0" anchor="ctr"/>
+          <a:lstStyle/>
+          <a:p>
+            <a:pPr algn="ctr"/>
+          </a:p>
+        </p:txBody>
+      </p:sp>
+      <p:sp>
+        <p:nvSpPr>
+          <p:cNvPr id="17" name="Rounded Rectangle 16"/>
+          <p:cNvSpPr/>
+          <p:nvPr/>
+        </p:nvSpPr>
+        <p:spPr>
+          <a:xfrm>
+            <a:off x="2159904" y="5739597"/>
+            <a:ext cx="5495452" cy="5495452"/>
+          </a:xfrm>
+          <a:prstGeom prst="roundRect">
+            <a:avLst/>
+          </a:prstGeom>
+          <a:solidFill>
+            <a:srgbClr val="FEC00F"/>
+          </a:solidFill>
+          <a:ln>
+            <a:noFill/>
+          </a:ln>
+        </p:spPr>
+        <p:style>
+          <a:lnRef idx="1">
+            <a:schemeClr val="accent1"/>
+          </a:lnRef>
+          <a:fillRef idx="3">
+            <a:schemeClr val="accent1"/>
+          </a:fillRef>
+          <a:effectRef idx="2">
+            <a:schemeClr val="accent1"/>
+          </a:effectRef>
+          <a:fontRef idx="minor">
+            <a:schemeClr val="lt1"/>
+          </a:fontRef>
+        </p:style>
+        <p:txBody>
+          <a:bodyPr rtlCol="0" anchor="ctr"/>
+          <a:lstStyle/>
+          <a:p>
+            <a:pPr algn="ctr"/>
+          </a:p>
+        </p:txBody>
+      </p:sp>
+      <p:sp>
+        <p:nvSpPr>
+          <p:cNvPr id="18" name="Rounded Rectangle 17"/>
+          <p:cNvSpPr/>
+          <p:nvPr/>
+        </p:nvSpPr>
+        <p:spPr>
+          <a:xfrm>
+            <a:off x="15617403" y="8236732"/>
+            <a:ext cx="433517" cy="501182"/>
+          </a:xfrm>
+          <a:prstGeom prst="roundRect">
+            <a:avLst/>
+          </a:prstGeom>
+          <a:solidFill>
+            <a:srgbClr val="FEC00F"/>
+          </a:solidFill>
+          <a:ln>
+            <a:noFill/>
+          </a:ln>
+        </p:spPr>
+        <p:style>
+          <a:lnRef idx="1">
+            <a:schemeClr val="accent1"/>
+          </a:lnRef>
+          <a:fillRef idx="3">
+            <a:schemeClr val="accent1"/>
+          </a:fillRef>
+          <a:effectRef idx="2">
+            <a:schemeClr val="accent1"/>
+          </a:effectRef>
+          <a:fontRef idx="minor">
+            <a:schemeClr val="lt1"/>
+          </a:fontRef>
+        </p:style>
+        <p:txBody>
+          <a:bodyPr rtlCol="0" anchor="ctr"/>
+          <a:lstStyle/>
+          <a:p>
+            <a:pPr algn="ctr"/>
+          </a:p>
+        </p:txBody>
+      </p:sp>
+      <p:sp>
+        <p:nvSpPr>
+          <p:cNvPr id="19" name="Rounded Rectangle 18"/>
+          <p:cNvSpPr/>
+          <p:nvPr/>
+        </p:nvSpPr>
+        <p:spPr>
+          <a:xfrm>
+            <a:off x="8333018" y="8236732"/>
+            <a:ext cx="433517" cy="501182"/>
+          </a:xfrm>
+          <a:prstGeom prst="roundRect">
+            <a:avLst/>
+          </a:prstGeom>
+          <a:solidFill>
+            <a:srgbClr val="FEC00F"/>
+          </a:solidFill>
+          <a:ln>
+            <a:noFill/>
+          </a:ln>
+        </p:spPr>
+        <p:style>
+          <a:lnRef idx="1">
+            <a:schemeClr val="accent1"/>
+          </a:lnRef>
+          <a:fillRef idx="3">
+            <a:schemeClr val="accent1"/>
+          </a:fillRef>
+          <a:effectRef idx="2">
+            <a:schemeClr val="accent1"/>
+          </a:effectRef>
+          <a:fontRef idx="minor">
+            <a:schemeClr val="lt1"/>
+          </a:fontRef>
+        </p:style>
+        <p:txBody>
+          <a:bodyPr rtlCol="0" anchor="ctr"/>
+          <a:lstStyle/>
+          <a:p>
+            <a:pPr algn="ctr"/>
+          </a:p>
+        </p:txBody>
+      </p:sp>
+      <p:sp>
+        <p:nvSpPr>
+          <p:cNvPr id="20" name="TextBox 19"/>
+          <p:cNvSpPr txBox="1"/>
+          <p:nvPr/>
+        </p:nvSpPr>
+        <p:spPr>
+          <a:xfrm>
+            <a:off x="3853921" y="2475463"/>
+            <a:ext cx="16676187" cy="1623060"/>
+          </a:xfrm>
+          <a:prstGeom prst="rect">
+            <a:avLst/>
+          </a:prstGeom>
+          <a:noFill/>
+        </p:spPr>
+        <p:txBody>
+          <a:bodyPr wrap="square">
+            <a:spAutoFit/>
+          </a:bodyPr>
+          <a:lstStyle/>
+          <a:p>
+            <a:pPr algn="ctr"/>
+            <a:r>
+              <a:rPr sz="6000" b="0" i="0">
                 <a:solidFill>
                   <a:srgbClr val="FFFFFF"/>
                 </a:solidFill>
                 <a:latin typeface="Rajdhani"/>
               </a:rPr>
-              <a:t>{{breadcrumb}}</a:t>
-            </a:r>
-          </a:p>
-        </p:txBody>
-      </p:sp>
-      <p:sp>
-        <p:nvSpPr>
-          <p:cNvPr id="4" name="slide_title"/>
+              <a:t>Market Analysis: Three Legs to the Stool</a:t>
+            </a:r>
+          </a:p>
+        </p:txBody>
+      </p:sp>
+      <p:sp>
+        <p:nvSpPr>
+          <p:cNvPr id="21" name="TextBox 20"/>
           <p:cNvSpPr txBox="1"/>
           <p:nvPr/>
         </p:nvSpPr>
         <p:spPr>
           <a:xfrm>
-            <a:off x="914400" y="502920"/>
-            <a:ext cx="10332720" cy="685800"/>
+            <a:off x="1066830" y="1143000"/>
+            <a:ext cx="5333969" cy="559155"/>
           </a:xfrm>
           <a:prstGeom prst="rect">
             <a:avLst/>
@@ -3169,155 +3839,15 @@
           </a:bodyPr>
           <a:lstStyle/>
           <a:p>
-            <a:pPr algn="ctr"/>
-            <a:r>
-              <a:rPr sz="4000" b="1">
+            <a:pPr algn="l"/>
+            <a:r>
+              <a:rPr sz="3600" b="0" i="0">
                 <a:solidFill>
                   <a:srgbClr val="FFFFFF"/>
                 </a:solidFill>
                 <a:latin typeface="Rajdhani"/>
               </a:rPr>
-              <a:t>{{slide_title}}</a:t>
-            </a:r>
-          </a:p>
-        </p:txBody>
-      </p:sp>
-      <p:sp>
-        <p:nvSpPr>
-          <p:cNvPr id="5" name="subtitle"/>
-          <p:cNvSpPr txBox="1"/>
-          <p:nvPr/>
-        </p:nvSpPr>
-        <p:spPr>
-          <a:xfrm>
-            <a:off x="914400" y="1234440"/>
-            <a:ext cx="10332720" cy="411480"/>
-          </a:xfrm>
-          <a:prstGeom prst="rect">
-            <a:avLst/>
-          </a:prstGeom>
-          <a:noFill/>
-        </p:spPr>
-        <p:txBody>
-          <a:bodyPr wrap="square">
-            <a:spAutoFit/>
-          </a:bodyPr>
-          <a:lstStyle/>
-          <a:p>
-            <a:pPr algn="ctr"/>
-            <a:r>
-              <a:rPr sz="1600" b="0">
-                <a:solidFill>
-                  <a:srgbClr val="FEC00F"/>
-                </a:solidFill>
-                <a:latin typeface="Quicksand"/>
-              </a:rPr>
-              <a:t>{{subtitle}}</a:t>
-            </a:r>
-          </a:p>
-        </p:txBody>
-      </p:sp>
-      <p:sp>
-        <p:nvSpPr>
-          <p:cNvPr id="6" name="step1_label"/>
-          <p:cNvSpPr txBox="1"/>
-          <p:nvPr/>
-        </p:nvSpPr>
-        <p:spPr>
-          <a:xfrm>
-            <a:off x="640080" y="5029200"/>
-            <a:ext cx="3200400" cy="640080"/>
-          </a:xfrm>
-          <a:prstGeom prst="rect">
-            <a:avLst/>
-          </a:prstGeom>
-          <a:noFill/>
-        </p:spPr>
-        <p:txBody>
-          <a:bodyPr wrap="square">
-            <a:spAutoFit/>
-          </a:bodyPr>
-          <a:lstStyle/>
-          <a:p>
-            <a:pPr algn="ctr"/>
-            <a:r>
-              <a:rPr sz="1300" b="1">
-                <a:solidFill>
-                  <a:srgbClr val="FFFFFF"/>
-                </a:solidFill>
-                <a:latin typeface="Quicksand"/>
-              </a:rPr>
-              <a:t>{{step1_label}}</a:t>
-            </a:r>
-          </a:p>
-        </p:txBody>
-      </p:sp>
-      <p:sp>
-        <p:nvSpPr>
-          <p:cNvPr id="7" name="step2_label"/>
-          <p:cNvSpPr txBox="1"/>
-          <p:nvPr/>
-        </p:nvSpPr>
-        <p:spPr>
-          <a:xfrm>
-            <a:off x="4480560" y="5029200"/>
-            <a:ext cx="3200400" cy="640080"/>
-          </a:xfrm>
-          <a:prstGeom prst="rect">
-            <a:avLst/>
-          </a:prstGeom>
-          <a:noFill/>
-        </p:spPr>
-        <p:txBody>
-          <a:bodyPr wrap="square">
-            <a:spAutoFit/>
-          </a:bodyPr>
-          <a:lstStyle/>
-          <a:p>
-            <a:pPr algn="ctr"/>
-            <a:r>
-              <a:rPr sz="1300" b="1">
-                <a:solidFill>
-                  <a:srgbClr val="FFFFFF"/>
-                </a:solidFill>
-                <a:latin typeface="Quicksand"/>
-              </a:rPr>
-              <a:t>{{step2_label}}</a:t>
-            </a:r>
-          </a:p>
-        </p:txBody>
-      </p:sp>
-      <p:sp>
-        <p:nvSpPr>
-          <p:cNvPr id="8" name="step3_label"/>
-          <p:cNvSpPr txBox="1"/>
-          <p:nvPr/>
-        </p:nvSpPr>
-        <p:spPr>
-          <a:xfrm>
-            <a:off x="8321040" y="5029200"/>
-            <a:ext cx="3200400" cy="640080"/>
-          </a:xfrm>
-          <a:prstGeom prst="rect">
-            <a:avLst/>
-          </a:prstGeom>
-          <a:noFill/>
-        </p:spPr>
-        <p:txBody>
-          <a:bodyPr wrap="square">
-            <a:spAutoFit/>
-          </a:bodyPr>
-          <a:lstStyle/>
-          <a:p>
-            <a:pPr algn="ctr"/>
-            <a:r>
-              <a:rPr sz="1300" b="1">
-                <a:solidFill>
-                  <a:srgbClr val="FFFFFF"/>
-                </a:solidFill>
-                <a:latin typeface="Quicksand"/>
-              </a:rPr>
-              <a:t>{{step3_label}}</a:t>
+              <a:t>Process</a:t>
             </a:r>
           </a:p>
         </p:txBody>
